--- a/Hospital Management.pptx
+++ b/Hospital Management.pptx
@@ -5,21 +5,20 @@
     <p:sldMasterId id="2147483648" r:id="rId4"/>
   </p:sldMasterIdLst>
   <p:notesMasterIdLst>
-    <p:notesMasterId r:id="rId14"/>
+    <p:notesMasterId r:id="rId13"/>
   </p:notesMasterIdLst>
   <p:handoutMasterIdLst>
-    <p:handoutMasterId r:id="rId15"/>
+    <p:handoutMasterId r:id="rId14"/>
   </p:handoutMasterIdLst>
   <p:sldIdLst>
     <p:sldId id="256" r:id="rId5"/>
-    <p:sldId id="277" r:id="rId6"/>
-    <p:sldId id="258" r:id="rId7"/>
-    <p:sldId id="259" r:id="rId8"/>
-    <p:sldId id="269" r:id="rId9"/>
-    <p:sldId id="260" r:id="rId10"/>
-    <p:sldId id="278" r:id="rId11"/>
-    <p:sldId id="279" r:id="rId12"/>
-    <p:sldId id="280" r:id="rId13"/>
+    <p:sldId id="258" r:id="rId6"/>
+    <p:sldId id="259" r:id="rId7"/>
+    <p:sldId id="269" r:id="rId8"/>
+    <p:sldId id="260" r:id="rId9"/>
+    <p:sldId id="278" r:id="rId10"/>
+    <p:sldId id="279" r:id="rId11"/>
+    <p:sldId id="280" r:id="rId12"/>
   </p:sldIdLst>
   <p:sldSz cx="12192000" cy="6858000"/>
   <p:notesSz cx="6858000" cy="9144000"/>
@@ -135,6 +134,125 @@
 </p188:authorLst>
 </file>
 
+<file path=ppt/changesInfos/changesInfo1.xml><?xml version="1.0" encoding="utf-8"?>
+<pc:chgInfo xmlns:a="http://schemas.openxmlformats.org/drawingml/2006/main" xmlns:r="http://schemas.openxmlformats.org/officeDocument/2006/relationships" xmlns:ac="http://schemas.microsoft.com/office/drawing/2013/main/command" xmlns:pc="http://schemas.microsoft.com/office/powerpoint/2013/main/command">
+  <pc:docChgLst>
+    <pc:chgData name="vishal ezhu" userId="4d1e20de2a230ca0" providerId="LiveId" clId="{054775D9-871D-42AB-8764-CBA1191EEC46}"/>
+    <pc:docChg chg="undo redo custSel delSld modSld">
+      <pc:chgData name="vishal ezhu" userId="4d1e20de2a230ca0" providerId="LiveId" clId="{054775D9-871D-42AB-8764-CBA1191EEC46}" dt="2023-06-01T10:28:34.016" v="57"/>
+      <pc:docMkLst>
+        <pc:docMk/>
+      </pc:docMkLst>
+      <pc:sldChg chg="addSp modSp mod modAnim">
+        <pc:chgData name="vishal ezhu" userId="4d1e20de2a230ca0" providerId="LiveId" clId="{054775D9-871D-42AB-8764-CBA1191EEC46}" dt="2023-05-31T18:49:45.289" v="43" actId="1076"/>
+        <pc:sldMkLst>
+          <pc:docMk/>
+          <pc:sldMk cId="2409068929" sldId="256"/>
+        </pc:sldMkLst>
+        <pc:spChg chg="add mod">
+          <ac:chgData name="vishal ezhu" userId="4d1e20de2a230ca0" providerId="LiveId" clId="{054775D9-871D-42AB-8764-CBA1191EEC46}" dt="2023-05-31T18:49:44.039" v="42" actId="1076"/>
+          <ac:spMkLst>
+            <pc:docMk/>
+            <pc:sldMk cId="2409068929" sldId="256"/>
+            <ac:spMk id="3" creationId="{2BCF8734-94B7-6E1B-E800-3C39E736104B}"/>
+          </ac:spMkLst>
+        </pc:spChg>
+        <pc:picChg chg="mod">
+          <ac:chgData name="vishal ezhu" userId="4d1e20de2a230ca0" providerId="LiveId" clId="{054775D9-871D-42AB-8764-CBA1191EEC46}" dt="2023-05-31T18:49:45.289" v="43" actId="1076"/>
+          <ac:picMkLst>
+            <pc:docMk/>
+            <pc:sldMk cId="2409068929" sldId="256"/>
+            <ac:picMk id="8" creationId="{E41FFEB7-5147-4211-9DEE-48A580FDD93D}"/>
+          </ac:picMkLst>
+        </pc:picChg>
+      </pc:sldChg>
+      <pc:sldChg chg="modSp mod">
+        <pc:chgData name="vishal ezhu" userId="4d1e20de2a230ca0" providerId="LiveId" clId="{054775D9-871D-42AB-8764-CBA1191EEC46}" dt="2023-06-01T10:26:02.556" v="47" actId="14100"/>
+        <pc:sldMkLst>
+          <pc:docMk/>
+          <pc:sldMk cId="991619130" sldId="258"/>
+        </pc:sldMkLst>
+        <pc:spChg chg="mod">
+          <ac:chgData name="vishal ezhu" userId="4d1e20de2a230ca0" providerId="LiveId" clId="{054775D9-871D-42AB-8764-CBA1191EEC46}" dt="2023-06-01T10:26:02.556" v="47" actId="14100"/>
+          <ac:spMkLst>
+            <pc:docMk/>
+            <pc:sldMk cId="991619130" sldId="258"/>
+            <ac:spMk id="111" creationId="{27400555-FDF0-4051-BE1D-9F1757952D08}"/>
+          </ac:spMkLst>
+        </pc:spChg>
+      </pc:sldChg>
+      <pc:sldChg chg="modSp mod">
+        <pc:chgData name="vishal ezhu" userId="4d1e20de2a230ca0" providerId="LiveId" clId="{054775D9-871D-42AB-8764-CBA1191EEC46}" dt="2023-06-01T10:26:16.763" v="48" actId="1076"/>
+        <pc:sldMkLst>
+          <pc:docMk/>
+          <pc:sldMk cId="481774274" sldId="259"/>
+        </pc:sldMkLst>
+        <pc:spChg chg="mod">
+          <ac:chgData name="vishal ezhu" userId="4d1e20de2a230ca0" providerId="LiveId" clId="{054775D9-871D-42AB-8764-CBA1191EEC46}" dt="2023-06-01T10:26:16.763" v="48" actId="1076"/>
+          <ac:spMkLst>
+            <pc:docMk/>
+            <pc:sldMk cId="481774274" sldId="259"/>
+            <ac:spMk id="113" creationId="{BFE2B5AB-A5E2-4E81-9A28-0F3EFE4B47B5}"/>
+          </ac:spMkLst>
+        </pc:spChg>
+      </pc:sldChg>
+      <pc:sldChg chg="modSp mod">
+        <pc:chgData name="vishal ezhu" userId="4d1e20de2a230ca0" providerId="LiveId" clId="{054775D9-871D-42AB-8764-CBA1191EEC46}" dt="2023-06-01T10:27:29.995" v="53" actId="207"/>
+        <pc:sldMkLst>
+          <pc:docMk/>
+          <pc:sldMk cId="3999316757" sldId="269"/>
+        </pc:sldMkLst>
+        <pc:graphicFrameChg chg="modGraphic">
+          <ac:chgData name="vishal ezhu" userId="4d1e20de2a230ca0" providerId="LiveId" clId="{054775D9-871D-42AB-8764-CBA1191EEC46}" dt="2023-06-01T10:27:29.995" v="53" actId="207"/>
+          <ac:graphicFrameMkLst>
+            <pc:docMk/>
+            <pc:sldMk cId="3999316757" sldId="269"/>
+            <ac:graphicFrameMk id="18" creationId="{436432B7-A3FA-B51C-03B1-953B126B9404}"/>
+          </ac:graphicFrameMkLst>
+        </pc:graphicFrameChg>
+      </pc:sldChg>
+      <pc:sldChg chg="del">
+        <pc:chgData name="vishal ezhu" userId="4d1e20de2a230ca0" providerId="LiveId" clId="{054775D9-871D-42AB-8764-CBA1191EEC46}" dt="2023-05-31T18:49:50.045" v="44" actId="47"/>
+        <pc:sldMkLst>
+          <pc:docMk/>
+          <pc:sldMk cId="1535750666" sldId="277"/>
+        </pc:sldMkLst>
+      </pc:sldChg>
+      <pc:sldChg chg="modSp">
+        <pc:chgData name="vishal ezhu" userId="4d1e20de2a230ca0" providerId="LiveId" clId="{054775D9-871D-42AB-8764-CBA1191EEC46}" dt="2023-06-01T10:28:34.016" v="57"/>
+        <pc:sldMkLst>
+          <pc:docMk/>
+          <pc:sldMk cId="979291309" sldId="279"/>
+        </pc:sldMkLst>
+        <pc:picChg chg="mod">
+          <ac:chgData name="vishal ezhu" userId="4d1e20de2a230ca0" providerId="LiveId" clId="{054775D9-871D-42AB-8764-CBA1191EEC46}" dt="2023-06-01T10:28:34.016" v="57"/>
+          <ac:picMkLst>
+            <pc:docMk/>
+            <pc:sldMk cId="979291309" sldId="279"/>
+            <ac:picMk id="5" creationId="{B035CBED-FE41-4E88-77EA-3444D6D00A4D}"/>
+          </ac:picMkLst>
+        </pc:picChg>
+      </pc:sldChg>
+      <pc:sldChg chg="modSp">
+        <pc:chgData name="vishal ezhu" userId="4d1e20de2a230ca0" providerId="LiveId" clId="{054775D9-871D-42AB-8764-CBA1191EEC46}" dt="2023-06-01T10:28:14.994" v="56"/>
+        <pc:sldMkLst>
+          <pc:docMk/>
+          <pc:sldMk cId="2525586783" sldId="280"/>
+        </pc:sldMkLst>
+        <pc:picChg chg="mod">
+          <ac:chgData name="vishal ezhu" userId="4d1e20de2a230ca0" providerId="LiveId" clId="{054775D9-871D-42AB-8764-CBA1191EEC46}" dt="2023-06-01T10:28:14.994" v="56"/>
+          <ac:picMkLst>
+            <pc:docMk/>
+            <pc:sldMk cId="2525586783" sldId="280"/>
+            <ac:picMk id="7" creationId="{DDFE5DD2-C3EC-0DF6-7C08-9E78EF3F9015}"/>
+          </ac:picMkLst>
+        </pc:picChg>
+      </pc:sldChg>
+    </pc:docChg>
+  </pc:docChgLst>
+</pc:chgInfo>
+</file>
+
 <file path=ppt/handoutMasters/handoutMaster1.xml><?xml version="1.0" encoding="utf-8"?>
 <p:handoutMaster xmlns:a="http://schemas.openxmlformats.org/drawingml/2006/main" xmlns:r="http://schemas.openxmlformats.org/officeDocument/2006/relationships" xmlns:p="http://schemas.openxmlformats.org/presentationml/2006/main">
   <p:cSld>
@@ -229,7 +347,7 @@
           <a:p>
             <a:fld id="{9C79BF0D-A27E-4949-BA05-26DFC7FA342E}" type="datetimeFigureOut">
               <a:rPr lang="en-US" smtClean="0"/>
-              <a:t>4/14/2023</a:t>
+              <a:t>6/1/2023</a:t>
             </a:fld>
             <a:endParaRPr lang="en-US" dirty="0"/>
           </a:p>
@@ -406,7 +524,7 @@
           <a:p>
             <a:fld id="{7DC4AA30-155C-4903-9267-E3BBFB95FF41}" type="datetimeFigureOut">
               <a:rPr lang="en-US" smtClean="0"/>
-              <a:t>4/14/2023</a:t>
+              <a:t>6/1/2023</a:t>
             </a:fld>
             <a:endParaRPr lang="en-US" dirty="0"/>
           </a:p>
@@ -15186,7 +15304,7 @@
         </p:blipFill>
         <p:spPr>
           <a:xfrm>
-            <a:off x="466725" y="466725"/>
+            <a:off x="466725" y="367335"/>
             <a:ext cx="11258550" cy="5924550"/>
           </a:xfrm>
         </p:spPr>
@@ -15329,6 +15447,236 @@
           </a:p>
         </p:txBody>
       </p:sp>
+      <p:sp>
+        <p:nvSpPr>
+          <p:cNvPr id="3" name="Text Placeholder 23">
+            <a:extLst>
+              <a:ext uri="{FF2B5EF4-FFF2-40B4-BE49-F238E27FC236}">
+                <a16:creationId xmlns:a16="http://schemas.microsoft.com/office/drawing/2014/main" id="{2BCF8734-94B7-6E1B-E800-3C39E736104B}"/>
+              </a:ext>
+            </a:extLst>
+          </p:cNvPr>
+          <p:cNvSpPr txBox="1">
+            <a:spLocks/>
+          </p:cNvSpPr>
+          <p:nvPr/>
+        </p:nvSpPr>
+        <p:spPr>
+          <a:xfrm>
+            <a:off x="3509961" y="3515943"/>
+            <a:ext cx="5172075" cy="1709531"/>
+          </a:xfrm>
+          <a:prstGeom prst="rect">
+            <a:avLst/>
+          </a:prstGeom>
+        </p:spPr>
+        <p:txBody>
+          <a:bodyPr/>
+          <a:lstStyle>
+            <a:lvl1pPr marL="228600" indent="-228600" algn="l" defTabSz="914400" rtl="0" eaLnBrk="1" latinLnBrk="0" hangingPunct="1">
+              <a:lnSpc>
+                <a:spcPct val="90000"/>
+              </a:lnSpc>
+              <a:spcBef>
+                <a:spcPts val="1000"/>
+              </a:spcBef>
+              <a:buFont typeface="Arial" panose="020B0604020202020204" pitchFamily="34" charset="0"/>
+              <a:buChar char="•"/>
+              <a:defRPr sz="2800" kern="1200">
+                <a:solidFill>
+                  <a:schemeClr val="tx1"/>
+                </a:solidFill>
+                <a:latin typeface="+mn-lt"/>
+                <a:ea typeface="+mn-ea"/>
+                <a:cs typeface="+mn-cs"/>
+              </a:defRPr>
+            </a:lvl1pPr>
+            <a:lvl2pPr marL="685800" indent="-228600" algn="l" defTabSz="914400" rtl="0" eaLnBrk="1" latinLnBrk="0" hangingPunct="1">
+              <a:lnSpc>
+                <a:spcPct val="90000"/>
+              </a:lnSpc>
+              <a:spcBef>
+                <a:spcPts val="500"/>
+              </a:spcBef>
+              <a:buFont typeface="Arial" panose="020B0604020202020204" pitchFamily="34" charset="0"/>
+              <a:buChar char="•"/>
+              <a:defRPr sz="2400" kern="1200">
+                <a:solidFill>
+                  <a:schemeClr val="tx1"/>
+                </a:solidFill>
+                <a:latin typeface="+mn-lt"/>
+                <a:ea typeface="+mn-ea"/>
+                <a:cs typeface="+mn-cs"/>
+              </a:defRPr>
+            </a:lvl2pPr>
+            <a:lvl3pPr marL="1143000" indent="-228600" algn="l" defTabSz="914400" rtl="0" eaLnBrk="1" latinLnBrk="0" hangingPunct="1">
+              <a:lnSpc>
+                <a:spcPct val="90000"/>
+              </a:lnSpc>
+              <a:spcBef>
+                <a:spcPts val="500"/>
+              </a:spcBef>
+              <a:buFont typeface="Arial" panose="020B0604020202020204" pitchFamily="34" charset="0"/>
+              <a:buChar char="•"/>
+              <a:defRPr sz="2000" kern="1200">
+                <a:solidFill>
+                  <a:schemeClr val="tx1"/>
+                </a:solidFill>
+                <a:latin typeface="+mn-lt"/>
+                <a:ea typeface="+mn-ea"/>
+                <a:cs typeface="+mn-cs"/>
+              </a:defRPr>
+            </a:lvl3pPr>
+            <a:lvl4pPr marL="1600200" indent="-228600" algn="l" defTabSz="914400" rtl="0" eaLnBrk="1" latinLnBrk="0" hangingPunct="1">
+              <a:lnSpc>
+                <a:spcPct val="90000"/>
+              </a:lnSpc>
+              <a:spcBef>
+                <a:spcPts val="500"/>
+              </a:spcBef>
+              <a:buFont typeface="Arial" panose="020B0604020202020204" pitchFamily="34" charset="0"/>
+              <a:buChar char="•"/>
+              <a:defRPr sz="1800" kern="1200">
+                <a:solidFill>
+                  <a:schemeClr val="tx1"/>
+                </a:solidFill>
+                <a:latin typeface="+mn-lt"/>
+                <a:ea typeface="+mn-ea"/>
+                <a:cs typeface="+mn-cs"/>
+              </a:defRPr>
+            </a:lvl4pPr>
+            <a:lvl5pPr marL="2057400" indent="-228600" algn="l" defTabSz="914400" rtl="0" eaLnBrk="1" latinLnBrk="0" hangingPunct="1">
+              <a:lnSpc>
+                <a:spcPct val="90000"/>
+              </a:lnSpc>
+              <a:spcBef>
+                <a:spcPts val="500"/>
+              </a:spcBef>
+              <a:buFont typeface="Arial" panose="020B0604020202020204" pitchFamily="34" charset="0"/>
+              <a:buChar char="•"/>
+              <a:defRPr sz="1800" kern="1200">
+                <a:solidFill>
+                  <a:schemeClr val="tx1"/>
+                </a:solidFill>
+                <a:latin typeface="+mn-lt"/>
+                <a:ea typeface="+mn-ea"/>
+                <a:cs typeface="+mn-cs"/>
+              </a:defRPr>
+            </a:lvl5pPr>
+            <a:lvl6pPr marL="2514600" indent="-228600" algn="l" defTabSz="914400" rtl="0" eaLnBrk="1" latinLnBrk="0" hangingPunct="1">
+              <a:lnSpc>
+                <a:spcPct val="90000"/>
+              </a:lnSpc>
+              <a:spcBef>
+                <a:spcPts val="500"/>
+              </a:spcBef>
+              <a:buFont typeface="Arial" panose="020B0604020202020204" pitchFamily="34" charset="0"/>
+              <a:buChar char="•"/>
+              <a:defRPr sz="1800" kern="1200">
+                <a:solidFill>
+                  <a:schemeClr val="tx1"/>
+                </a:solidFill>
+                <a:latin typeface="+mn-lt"/>
+                <a:ea typeface="+mn-ea"/>
+                <a:cs typeface="+mn-cs"/>
+              </a:defRPr>
+            </a:lvl6pPr>
+            <a:lvl7pPr marL="2971800" indent="-228600" algn="l" defTabSz="914400" rtl="0" eaLnBrk="1" latinLnBrk="0" hangingPunct="1">
+              <a:lnSpc>
+                <a:spcPct val="90000"/>
+              </a:lnSpc>
+              <a:spcBef>
+                <a:spcPts val="500"/>
+              </a:spcBef>
+              <a:buFont typeface="Arial" panose="020B0604020202020204" pitchFamily="34" charset="0"/>
+              <a:buChar char="•"/>
+              <a:defRPr sz="1800" kern="1200">
+                <a:solidFill>
+                  <a:schemeClr val="tx1"/>
+                </a:solidFill>
+                <a:latin typeface="+mn-lt"/>
+                <a:ea typeface="+mn-ea"/>
+                <a:cs typeface="+mn-cs"/>
+              </a:defRPr>
+            </a:lvl7pPr>
+            <a:lvl8pPr marL="3429000" indent="-228600" algn="l" defTabSz="914400" rtl="0" eaLnBrk="1" latinLnBrk="0" hangingPunct="1">
+              <a:lnSpc>
+                <a:spcPct val="90000"/>
+              </a:lnSpc>
+              <a:spcBef>
+                <a:spcPts val="500"/>
+              </a:spcBef>
+              <a:buFont typeface="Arial" panose="020B0604020202020204" pitchFamily="34" charset="0"/>
+              <a:buChar char="•"/>
+              <a:defRPr sz="1800" kern="1200">
+                <a:solidFill>
+                  <a:schemeClr val="tx1"/>
+                </a:solidFill>
+                <a:latin typeface="+mn-lt"/>
+                <a:ea typeface="+mn-ea"/>
+                <a:cs typeface="+mn-cs"/>
+              </a:defRPr>
+            </a:lvl8pPr>
+            <a:lvl9pPr marL="3886200" indent="-228600" algn="l" defTabSz="914400" rtl="0" eaLnBrk="1" latinLnBrk="0" hangingPunct="1">
+              <a:lnSpc>
+                <a:spcPct val="90000"/>
+              </a:lnSpc>
+              <a:spcBef>
+                <a:spcPts val="500"/>
+              </a:spcBef>
+              <a:buFont typeface="Arial" panose="020B0604020202020204" pitchFamily="34" charset="0"/>
+              <a:buChar char="•"/>
+              <a:defRPr sz="1800" kern="1200">
+                <a:solidFill>
+                  <a:schemeClr val="tx1"/>
+                </a:solidFill>
+                <a:latin typeface="+mn-lt"/>
+                <a:ea typeface="+mn-ea"/>
+                <a:cs typeface="+mn-cs"/>
+              </a:defRPr>
+            </a:lvl9pPr>
+          </a:lstStyle>
+          <a:p>
+            <a:pPr marL="0" indent="0" algn="ctr">
+              <a:buNone/>
+            </a:pPr>
+            <a:r>
+              <a:rPr lang="en-US" dirty="0">
+                <a:highlight>
+                  <a:srgbClr val="C0C0C0"/>
+                </a:highlight>
+              </a:rPr>
+              <a:t>E VISHAL  20cs1035</a:t>
+            </a:r>
+          </a:p>
+          <a:p>
+            <a:pPr marL="0" indent="0" algn="ctr">
+              <a:buNone/>
+            </a:pPr>
+            <a:r>
+              <a:rPr lang="en-US" dirty="0">
+                <a:highlight>
+                  <a:srgbClr val="C0C0C0"/>
+                </a:highlight>
+              </a:rPr>
+              <a:t>JEEVARAMANAN M  20cs1050</a:t>
+            </a:r>
+          </a:p>
+          <a:p>
+            <a:pPr marL="0" indent="0" algn="ctr">
+              <a:buNone/>
+            </a:pPr>
+            <a:r>
+              <a:rPr lang="en-US" dirty="0">
+                <a:highlight>
+                  <a:srgbClr val="C0C0C0"/>
+                </a:highlight>
+              </a:rPr>
+              <a:t>SUNIL A  20cs2006</a:t>
+            </a:r>
+          </a:p>
+        </p:txBody>
+      </p:sp>
     </p:spTree>
     <p:extLst>
       <p:ext uri="{BB962C8B-B14F-4D97-AF65-F5344CB8AC3E}">
@@ -15339,221 +15687,18 @@
   <p:clrMapOvr>
     <a:masterClrMapping/>
   </p:clrMapOvr>
-  <mc:AlternateContent xmlns:mc="http://schemas.openxmlformats.org/markup-compatibility/2006">
-    <mc:Choice xmlns:p14="http://schemas.microsoft.com/office/powerpoint/2010/main" Requires="p14">
+  <mc:AlternateContent xmlns:mc="http://schemas.openxmlformats.org/markup-compatibility/2006" xmlns:p14="http://schemas.microsoft.com/office/powerpoint/2010/main">
+    <mc:Choice Requires="p14">
       <p:transition spd="slow" p14:dur="900">
         <p14:warp dir="in"/>
       </p:transition>
     </mc:Choice>
-    <mc:Fallback>
+    <mc:Fallback xmlns="">
       <p:transition spd="slow">
         <p:fade/>
       </p:transition>
     </mc:Fallback>
   </mc:AlternateContent>
-</p:sld>
-</file>
-
-<file path=ppt/slides/slide2.xml><?xml version="1.0" encoding="utf-8"?>
-<p:sld xmlns:a="http://schemas.openxmlformats.org/drawingml/2006/main" xmlns:r="http://schemas.openxmlformats.org/officeDocument/2006/relationships" xmlns:p="http://schemas.openxmlformats.org/presentationml/2006/main">
-  <p:cSld>
-    <p:spTree>
-      <p:nvGrpSpPr>
-        <p:cNvPr id="1" name=""/>
-        <p:cNvGrpSpPr/>
-        <p:nvPr/>
-      </p:nvGrpSpPr>
-      <p:grpSpPr>
-        <a:xfrm>
-          <a:off x="0" y="0"/>
-          <a:ext cx="0" cy="0"/>
-          <a:chOff x="0" y="0"/>
-          <a:chExt cx="0" cy="0"/>
-        </a:xfrm>
-      </p:grpSpPr>
-      <p:sp>
-        <p:nvSpPr>
-          <p:cNvPr id="69" name="Title 68">
-            <a:extLst>
-              <a:ext uri="{FF2B5EF4-FFF2-40B4-BE49-F238E27FC236}">
-                <a16:creationId xmlns:a16="http://schemas.microsoft.com/office/drawing/2014/main" id="{A74CEF14-9F3D-49A7-B904-B4E3A7113A15}"/>
-              </a:ext>
-            </a:extLst>
-          </p:cNvPr>
-          <p:cNvSpPr>
-            <a:spLocks noGrp="1"/>
-          </p:cNvSpPr>
-          <p:nvPr>
-            <p:ph type="title"/>
-          </p:nvPr>
-        </p:nvSpPr>
-        <p:spPr>
-          <a:xfrm>
-            <a:off x="7692272" y="671808"/>
-            <a:ext cx="3661528" cy="639192"/>
-          </a:xfrm>
-        </p:spPr>
-        <p:txBody>
-          <a:bodyPr/>
-          <a:lstStyle/>
-          <a:p>
-            <a:r>
-              <a:rPr lang="en-US" dirty="0"/>
-              <a:t>About us</a:t>
-            </a:r>
-          </a:p>
-        </p:txBody>
-      </p:sp>
-      <p:pic>
-        <p:nvPicPr>
-          <p:cNvPr id="15" name="Picture Placeholder 14">
-            <a:extLst>
-              <a:ext uri="{FF2B5EF4-FFF2-40B4-BE49-F238E27FC236}">
-                <a16:creationId xmlns:a16="http://schemas.microsoft.com/office/drawing/2014/main" id="{D67D6F18-268F-4677-BF55-4B1B9EE4BF3E}"/>
-              </a:ext>
-            </a:extLst>
-          </p:cNvPr>
-          <p:cNvPicPr>
-            <a:picLocks noGrp="1" noChangeAspect="1"/>
-          </p:cNvPicPr>
-          <p:nvPr>
-            <p:ph type="pic" sz="quarter" idx="13"/>
-          </p:nvPr>
-        </p:nvPicPr>
-        <p:blipFill>
-          <a:blip r:embed="rId2"/>
-          <a:srcRect/>
-          <a:stretch/>
-        </p:blipFill>
-        <p:spPr>
-          <a:xfrm>
-            <a:off x="1" y="477078"/>
-            <a:ext cx="6848474" cy="6380922"/>
-          </a:xfrm>
-        </p:spPr>
-      </p:pic>
-      <p:sp>
-        <p:nvSpPr>
-          <p:cNvPr id="24" name="Text Placeholder 23">
-            <a:extLst>
-              <a:ext uri="{FF2B5EF4-FFF2-40B4-BE49-F238E27FC236}">
-                <a16:creationId xmlns:a16="http://schemas.microsoft.com/office/drawing/2014/main" id="{78FE74D7-D9BF-46B2-AB6D-79E819EB9A0F}"/>
-              </a:ext>
-            </a:extLst>
-          </p:cNvPr>
-          <p:cNvSpPr>
-            <a:spLocks noGrp="1"/>
-          </p:cNvSpPr>
-          <p:nvPr>
-            <p:ph type="body" sz="quarter" idx="14"/>
-          </p:nvPr>
-        </p:nvSpPr>
-        <p:spPr>
-          <a:xfrm>
-            <a:off x="6524625" y="2524539"/>
-            <a:ext cx="5172075" cy="2305878"/>
-          </a:xfrm>
-        </p:spPr>
-        <p:txBody>
-          <a:bodyPr/>
-          <a:lstStyle/>
-          <a:p>
-            <a:r>
-              <a:rPr lang="en-US" dirty="0"/>
-              <a:t>E VISHAL  20cs1035</a:t>
-            </a:r>
-          </a:p>
-          <a:p>
-            <a:r>
-              <a:rPr lang="en-US" dirty="0"/>
-              <a:t>JEEVARAMANAN M  20cs1050</a:t>
-            </a:r>
-          </a:p>
-          <a:p>
-            <a:r>
-              <a:rPr lang="en-US" dirty="0"/>
-              <a:t>SUNIL A  20cs2006</a:t>
-            </a:r>
-          </a:p>
-          <a:p>
-            <a:endParaRPr lang="en-US" dirty="0"/>
-          </a:p>
-          <a:p>
-            <a:r>
-              <a:rPr lang="en-US" dirty="0"/>
-              <a:t>BTech </a:t>
-            </a:r>
-          </a:p>
-          <a:p>
-            <a:r>
-              <a:rPr lang="en-US" dirty="0" err="1"/>
-              <a:t>III</a:t>
-            </a:r>
-            <a:r>
-              <a:rPr lang="en-US" sz="1200" dirty="0" err="1"/>
-              <a:t>rd</a:t>
-            </a:r>
-            <a:r>
-              <a:rPr lang="en-US" dirty="0"/>
-              <a:t> Year</a:t>
-            </a:r>
-          </a:p>
-          <a:p>
-            <a:r>
-              <a:rPr lang="en-US" dirty="0"/>
-              <a:t>PTU</a:t>
-            </a:r>
-          </a:p>
-        </p:txBody>
-      </p:sp>
-      <p:sp>
-        <p:nvSpPr>
-          <p:cNvPr id="4" name="Slide Number Placeholder 3">
-            <a:extLst>
-              <a:ext uri="{FF2B5EF4-FFF2-40B4-BE49-F238E27FC236}">
-                <a16:creationId xmlns:a16="http://schemas.microsoft.com/office/drawing/2014/main" id="{231B5EF5-D35E-4241-92D4-3A8164978425}"/>
-              </a:ext>
-            </a:extLst>
-          </p:cNvPr>
-          <p:cNvSpPr>
-            <a:spLocks noGrp="1"/>
-          </p:cNvSpPr>
-          <p:nvPr>
-            <p:ph type="sldNum" sz="quarter" idx="12"/>
-          </p:nvPr>
-        </p:nvSpPr>
-        <p:spPr>
-          <a:xfrm>
-            <a:off x="8610600" y="6515753"/>
-            <a:ext cx="2743200" cy="205722"/>
-          </a:xfrm>
-        </p:spPr>
-        <p:txBody>
-          <a:bodyPr/>
-          <a:lstStyle/>
-          <a:p>
-            <a:fld id="{BF860B6F-2FE3-4DE6-9496-980E987E7466}" type="slidenum">
-              <a:rPr lang="en-US" smtClean="0"/>
-              <a:pPr/>
-              <a:t>2</a:t>
-            </a:fld>
-            <a:endParaRPr lang="en-US" dirty="0"/>
-          </a:p>
-        </p:txBody>
-      </p:sp>
-    </p:spTree>
-    <p:extLst>
-      <p:ext uri="{BB962C8B-B14F-4D97-AF65-F5344CB8AC3E}">
-        <p14:creationId xmlns:p14="http://schemas.microsoft.com/office/powerpoint/2010/main" val="1535750666"/>
-      </p:ext>
-    </p:extLst>
-  </p:cSld>
-  <p:clrMapOvr>
-    <a:masterClrMapping/>
-  </p:clrMapOvr>
-  <p:transition spd="slow">
-    <p:push dir="u"/>
-  </p:transition>
   <p:timing>
     <p:tnLst>
       <p:par>
@@ -15588,7 +15733,7 @@
                                           </p:stCondLst>
                                         </p:cTn>
                                         <p:tgtEl>
-                                          <p:spTgt spid="24">
+                                          <p:spTgt spid="3">
                                             <p:txEl>
                                               <p:pRg st="0" end="0"/>
                                             </p:txEl>
@@ -15606,7 +15751,7 @@
                                       <p:cBhvr>
                                         <p:cTn id="7" dur="500"/>
                                         <p:tgtEl>
-                                          <p:spTgt spid="24">
+                                          <p:spTgt spid="3">
                                             <p:txEl>
                                               <p:pRg st="0" end="0"/>
                                             </p:txEl>
@@ -15631,7 +15776,7 @@
                                           </p:stCondLst>
                                         </p:cTn>
                                         <p:tgtEl>
-                                          <p:spTgt spid="24">
+                                          <p:spTgt spid="3">
                                             <p:txEl>
                                               <p:pRg st="1" end="1"/>
                                             </p:txEl>
@@ -15649,7 +15794,7 @@
                                       <p:cBhvr>
                                         <p:cTn id="10" dur="500"/>
                                         <p:tgtEl>
-                                          <p:spTgt spid="24">
+                                          <p:spTgt spid="3">
                                             <p:txEl>
                                               <p:pRg st="1" end="1"/>
                                             </p:txEl>
@@ -15674,7 +15819,7 @@
                                           </p:stCondLst>
                                         </p:cTn>
                                         <p:tgtEl>
-                                          <p:spTgt spid="24">
+                                          <p:spTgt spid="3">
                                             <p:txEl>
                                               <p:pRg st="2" end="2"/>
                                             </p:txEl>
@@ -15692,138 +15837,9 @@
                                       <p:cBhvr>
                                         <p:cTn id="13" dur="500"/>
                                         <p:tgtEl>
-                                          <p:spTgt spid="24">
+                                          <p:spTgt spid="3">
                                             <p:txEl>
                                               <p:pRg st="2" end="2"/>
-                                            </p:txEl>
-                                          </p:spTgt>
-                                        </p:tgtEl>
-                                      </p:cBhvr>
-                                    </p:animEffect>
-                                  </p:childTnLst>
-                                </p:cTn>
-                              </p:par>
-                              <p:par>
-                                <p:cTn id="14" presetID="10" presetClass="entr" presetSubtype="0" fill="hold" nodeType="withEffect">
-                                  <p:stCondLst>
-                                    <p:cond delay="0"/>
-                                  </p:stCondLst>
-                                  <p:childTnLst>
-                                    <p:set>
-                                      <p:cBhvr>
-                                        <p:cTn id="15" dur="1" fill="hold">
-                                          <p:stCondLst>
-                                            <p:cond delay="0"/>
-                                          </p:stCondLst>
-                                        </p:cTn>
-                                        <p:tgtEl>
-                                          <p:spTgt spid="24">
-                                            <p:txEl>
-                                              <p:pRg st="4" end="4"/>
-                                            </p:txEl>
-                                          </p:spTgt>
-                                        </p:tgtEl>
-                                        <p:attrNameLst>
-                                          <p:attrName>style.visibility</p:attrName>
-                                        </p:attrNameLst>
-                                      </p:cBhvr>
-                                      <p:to>
-                                        <p:strVal val="visible"/>
-                                      </p:to>
-                                    </p:set>
-                                    <p:animEffect transition="in" filter="fade">
-                                      <p:cBhvr>
-                                        <p:cTn id="16" dur="500"/>
-                                        <p:tgtEl>
-                                          <p:spTgt spid="24">
-                                            <p:txEl>
-                                              <p:pRg st="4" end="4"/>
-                                            </p:txEl>
-                                          </p:spTgt>
-                                        </p:tgtEl>
-                                      </p:cBhvr>
-                                    </p:animEffect>
-                                  </p:childTnLst>
-                                </p:cTn>
-                              </p:par>
-                              <p:par>
-                                <p:cTn id="17" presetID="10" presetClass="entr" presetSubtype="0" fill="hold" nodeType="withEffect">
-                                  <p:stCondLst>
-                                    <p:cond delay="0"/>
-                                  </p:stCondLst>
-                                  <p:childTnLst>
-                                    <p:set>
-                                      <p:cBhvr>
-                                        <p:cTn id="18" dur="1" fill="hold">
-                                          <p:stCondLst>
-                                            <p:cond delay="0"/>
-                                          </p:stCondLst>
-                                        </p:cTn>
-                                        <p:tgtEl>
-                                          <p:spTgt spid="24">
-                                            <p:txEl>
-                                              <p:pRg st="5" end="5"/>
-                                            </p:txEl>
-                                          </p:spTgt>
-                                        </p:tgtEl>
-                                        <p:attrNameLst>
-                                          <p:attrName>style.visibility</p:attrName>
-                                        </p:attrNameLst>
-                                      </p:cBhvr>
-                                      <p:to>
-                                        <p:strVal val="visible"/>
-                                      </p:to>
-                                    </p:set>
-                                    <p:animEffect transition="in" filter="fade">
-                                      <p:cBhvr>
-                                        <p:cTn id="19" dur="500"/>
-                                        <p:tgtEl>
-                                          <p:spTgt spid="24">
-                                            <p:txEl>
-                                              <p:pRg st="5" end="5"/>
-                                            </p:txEl>
-                                          </p:spTgt>
-                                        </p:tgtEl>
-                                      </p:cBhvr>
-                                    </p:animEffect>
-                                  </p:childTnLst>
-                                </p:cTn>
-                              </p:par>
-                              <p:par>
-                                <p:cTn id="20" presetID="10" presetClass="entr" presetSubtype="0" fill="hold" nodeType="withEffect">
-                                  <p:stCondLst>
-                                    <p:cond delay="0"/>
-                                  </p:stCondLst>
-                                  <p:childTnLst>
-                                    <p:set>
-                                      <p:cBhvr>
-                                        <p:cTn id="21" dur="1" fill="hold">
-                                          <p:stCondLst>
-                                            <p:cond delay="0"/>
-                                          </p:stCondLst>
-                                        </p:cTn>
-                                        <p:tgtEl>
-                                          <p:spTgt spid="24">
-                                            <p:txEl>
-                                              <p:pRg st="6" end="6"/>
-                                            </p:txEl>
-                                          </p:spTgt>
-                                        </p:tgtEl>
-                                        <p:attrNameLst>
-                                          <p:attrName>style.visibility</p:attrName>
-                                        </p:attrNameLst>
-                                      </p:cBhvr>
-                                      <p:to>
-                                        <p:strVal val="visible"/>
-                                      </p:to>
-                                    </p:set>
-                                    <p:animEffect transition="in" filter="fade">
-                                      <p:cBhvr>
-                                        <p:cTn id="22" dur="500"/>
-                                        <p:tgtEl>
-                                          <p:spTgt spid="24">
-                                            <p:txEl>
-                                              <p:pRg st="6" end="6"/>
                                             </p:txEl>
                                           </p:spTgt>
                                         </p:tgtEl>
@@ -15863,7 +15879,7 @@
 </p:sld>
 </file>
 
-<file path=ppt/slides/slide3.xml><?xml version="1.0" encoding="utf-8"?>
+<file path=ppt/slides/slide2.xml><?xml version="1.0" encoding="utf-8"?>
 <p:sld xmlns:a="http://schemas.openxmlformats.org/drawingml/2006/main" xmlns:r="http://schemas.openxmlformats.org/officeDocument/2006/relationships" xmlns:p="http://schemas.openxmlformats.org/presentationml/2006/main">
   <p:cSld>
     <p:spTree>
@@ -15898,8 +15914,8 @@
         </p:nvSpPr>
         <p:spPr>
           <a:xfrm>
-            <a:off x="5406174" y="649009"/>
-            <a:ext cx="6408851" cy="665965"/>
+            <a:off x="6251713" y="649009"/>
+            <a:ext cx="5563312" cy="665965"/>
           </a:xfrm>
         </p:spPr>
         <p:txBody>
@@ -15908,7 +15924,14 @@
           <a:p>
             <a:r>
               <a:rPr lang="en-US" dirty="0"/>
-              <a:t>Problem statement</a:t>
+              <a:t>Problem </a:t>
+            </a:r>
+            <a:br>
+              <a:rPr lang="en-US" dirty="0"/>
+            </a:br>
+            <a:r>
+              <a:rPr lang="en-US" dirty="0"/>
+              <a:t>statement</a:t>
             </a:r>
           </a:p>
         </p:txBody>
@@ -16614,7 +16637,7 @@
 </p:sld>
 </file>
 
-<file path=ppt/slides/slide4.xml><?xml version="1.0" encoding="utf-8"?>
+<file path=ppt/slides/slide3.xml><?xml version="1.0" encoding="utf-8"?>
 <p:sld xmlns:a="http://schemas.openxmlformats.org/drawingml/2006/main" xmlns:r="http://schemas.openxmlformats.org/officeDocument/2006/relationships" xmlns:p="http://schemas.openxmlformats.org/presentationml/2006/main">
   <p:cSld>
     <p:spTree>
@@ -16649,7 +16672,7 @@
         </p:nvSpPr>
         <p:spPr>
           <a:xfrm rot="16200000">
-            <a:off x="437145" y="3982507"/>
+            <a:off x="367131" y="1865472"/>
             <a:ext cx="3614767" cy="639195"/>
           </a:xfrm>
         </p:spPr>
@@ -17097,7 +17120,7 @@
             <a:fld id="{BF860B6F-2FE3-4DE6-9496-980E987E7466}" type="slidenum">
               <a:rPr lang="en-US" smtClean="0"/>
               <a:pPr/>
-              <a:t>4</a:t>
+              <a:t>3</a:t>
             </a:fld>
             <a:endParaRPr lang="en-US" dirty="0"/>
           </a:p>
@@ -17148,13 +17171,13 @@
   <p:clrMapOvr>
     <a:masterClrMapping/>
   </p:clrMapOvr>
-  <mc:AlternateContent xmlns:mc="http://schemas.openxmlformats.org/markup-compatibility/2006">
-    <mc:Choice xmlns:p14="http://schemas.microsoft.com/office/powerpoint/2010/main" Requires="p14">
+  <mc:AlternateContent xmlns:mc="http://schemas.openxmlformats.org/markup-compatibility/2006" xmlns:p14="http://schemas.microsoft.com/office/powerpoint/2010/main">
+    <mc:Choice Requires="p14">
       <p:transition spd="slow" p14:dur="1500">
         <p:split orient="vert"/>
       </p:transition>
     </mc:Choice>
-    <mc:Fallback>
+    <mc:Fallback xmlns="">
       <p:transition spd="slow">
         <p:split orient="vert"/>
       </p:transition>
@@ -18392,7 +18415,7 @@
 </p:sld>
 </file>
 
-<file path=ppt/slides/slide5.xml><?xml version="1.0" encoding="utf-8"?>
+<file path=ppt/slides/slide4.xml><?xml version="1.0" encoding="utf-8"?>
 <p:sld xmlns:a="http://schemas.openxmlformats.org/drawingml/2006/main" xmlns:r="http://schemas.openxmlformats.org/officeDocument/2006/relationships" xmlns:p="http://schemas.openxmlformats.org/presentationml/2006/main">
   <p:cSld>
     <p:spTree>
@@ -18472,7 +18495,7 @@
             <a:fld id="{BF860B6F-2FE3-4DE6-9496-980E987E7466}" type="slidenum">
               <a:rPr lang="en-US" smtClean="0"/>
               <a:pPr/>
-              <a:t>5</a:t>
+              <a:t>4</a:t>
             </a:fld>
             <a:endParaRPr lang="en-US" dirty="0"/>
           </a:p>
@@ -18493,7 +18516,7 @@
           <p:nvPr>
             <p:extLst>
               <p:ext uri="{D42A27DB-BD31-4B8C-83A1-F6EECF244321}">
-                <p14:modId xmlns:p14="http://schemas.microsoft.com/office/powerpoint/2010/main" val="859126823"/>
+                <p14:modId xmlns:p14="http://schemas.microsoft.com/office/powerpoint/2010/main" val="262136136"/>
               </p:ext>
             </p:extLst>
           </p:nvPr>
@@ -18579,9 +18602,11 @@
                         </a:lnSpc>
                       </a:pPr>
                       <a:r>
-                        <a:rPr lang="en-IN" sz="2000" dirty="0">
+                        <a:rPr lang="en-IN" sz="2000" b="1" dirty="0">
                           <a:solidFill>
-                            <a:srgbClr val="0070C0"/>
+                            <a:schemeClr val="accent3">
+                              <a:lumMod val="50000"/>
+                            </a:schemeClr>
                           </a:solidFill>
                         </a:rPr>
                         <a:t>Frontend</a:t>
@@ -18601,16 +18626,20 @@
                         </a:lnSpc>
                       </a:pPr>
                       <a:r>
-                        <a:rPr lang="en-IN" dirty="0" err="1">
+                        <a:rPr lang="en-IN" b="1" dirty="0" err="1">
                           <a:solidFill>
-                            <a:srgbClr val="00B0F0"/>
+                            <a:schemeClr val="accent3">
+                              <a:lumMod val="50000"/>
+                            </a:schemeClr>
                           </a:solidFill>
                         </a:rPr>
                         <a:t>ReactJs</a:t>
                       </a:r>
-                      <a:endParaRPr lang="en-IN" dirty="0">
+                      <a:endParaRPr lang="en-IN" b="1" dirty="0">
                         <a:solidFill>
-                          <a:srgbClr val="00B0F0"/>
+                          <a:schemeClr val="accent3">
+                            <a:lumMod val="50000"/>
+                          </a:schemeClr>
                         </a:solidFill>
                       </a:endParaRPr>
                     </a:p>
@@ -18635,9 +18664,11 @@
                         </a:lnSpc>
                       </a:pPr>
                       <a:r>
-                        <a:rPr lang="en-IN" dirty="0">
+                        <a:rPr lang="en-IN" b="1" dirty="0">
                           <a:solidFill>
-                            <a:srgbClr val="0070C0"/>
+                            <a:schemeClr val="accent3">
+                              <a:lumMod val="50000"/>
+                            </a:schemeClr>
                           </a:solidFill>
                         </a:rPr>
                         <a:t>Backend</a:t>
@@ -18657,16 +18688,20 @@
                         </a:lnSpc>
                       </a:pPr>
                       <a:r>
-                        <a:rPr lang="en-IN" dirty="0" err="1">
+                        <a:rPr lang="en-IN" b="1" dirty="0" err="1">
                           <a:solidFill>
-                            <a:srgbClr val="00B0F0"/>
+                            <a:schemeClr val="accent3">
+                              <a:lumMod val="50000"/>
+                            </a:schemeClr>
                           </a:solidFill>
                         </a:rPr>
                         <a:t>SpringBoot</a:t>
                       </a:r>
-                      <a:endParaRPr lang="en-IN" dirty="0">
+                      <a:endParaRPr lang="en-IN" b="1" dirty="0">
                         <a:solidFill>
-                          <a:srgbClr val="00B0F0"/>
+                          <a:schemeClr val="accent3">
+                            <a:lumMod val="50000"/>
+                          </a:schemeClr>
                         </a:solidFill>
                       </a:endParaRPr>
                     </a:p>
@@ -18703,9 +18738,11 @@
                         <a:defRPr/>
                       </a:pPr>
                       <a:r>
-                        <a:rPr lang="en-IN" dirty="0">
+                        <a:rPr lang="en-IN" b="1" dirty="0">
                           <a:solidFill>
-                            <a:srgbClr val="0070C0"/>
+                            <a:schemeClr val="accent3">
+                              <a:lumMod val="50000"/>
+                            </a:schemeClr>
                           </a:solidFill>
                         </a:rPr>
                         <a:t>Database</a:t>
@@ -18725,9 +18762,11 @@
                         </a:lnSpc>
                       </a:pPr>
                       <a:r>
-                        <a:rPr lang="en-IN" dirty="0">
+                        <a:rPr lang="en-IN" b="1" dirty="0">
                           <a:solidFill>
-                            <a:srgbClr val="00B0F0"/>
+                            <a:schemeClr val="accent3">
+                              <a:lumMod val="50000"/>
+                            </a:schemeClr>
                           </a:solidFill>
                         </a:rPr>
                         <a:t>MySQL</a:t>
@@ -18754,9 +18793,11 @@
                         </a:lnSpc>
                       </a:pPr>
                       <a:r>
-                        <a:rPr lang="en-IN" dirty="0">
+                        <a:rPr lang="en-IN" b="1" dirty="0">
                           <a:solidFill>
-                            <a:srgbClr val="0070C0"/>
+                            <a:schemeClr val="accent3">
+                              <a:lumMod val="50000"/>
+                            </a:schemeClr>
                           </a:solidFill>
                         </a:rPr>
                         <a:t>ORM Mapping</a:t>
@@ -18776,9 +18817,11 @@
                         </a:lnSpc>
                       </a:pPr>
                       <a:r>
-                        <a:rPr lang="en-IN" dirty="0">
+                        <a:rPr lang="en-IN" b="1" dirty="0">
                           <a:solidFill>
-                            <a:srgbClr val="00B0F0"/>
+                            <a:schemeClr val="accent3">
+                              <a:lumMod val="50000"/>
+                            </a:schemeClr>
                           </a:solidFill>
                         </a:rPr>
                         <a:t>JPA (Hibernate)</a:t>
@@ -18805,9 +18848,11 @@
                         </a:lnSpc>
                       </a:pPr>
                       <a:r>
-                        <a:rPr lang="en-IN" dirty="0">
+                        <a:rPr lang="en-IN" b="1" dirty="0">
                           <a:solidFill>
-                            <a:srgbClr val="0070C0"/>
+                            <a:schemeClr val="accent3">
+                              <a:lumMod val="50000"/>
+                            </a:schemeClr>
                           </a:solidFill>
                         </a:rPr>
                         <a:t>Testing</a:t>
@@ -18827,9 +18872,11 @@
                         </a:lnSpc>
                       </a:pPr>
                       <a:r>
-                        <a:rPr lang="en-IN" dirty="0">
+                        <a:rPr lang="en-IN" b="1" dirty="0">
                           <a:solidFill>
-                            <a:srgbClr val="00B0F0"/>
+                            <a:schemeClr val="accent3">
+                              <a:lumMod val="50000"/>
+                            </a:schemeClr>
                           </a:solidFill>
                         </a:rPr>
                         <a:t>Junit, Mockito</a:t>
@@ -18856,9 +18903,11 @@
                         </a:lnSpc>
                       </a:pPr>
                       <a:r>
-                        <a:rPr lang="en-IN" dirty="0">
+                        <a:rPr lang="en-IN" b="1" dirty="0">
                           <a:solidFill>
-                            <a:srgbClr val="0070C0"/>
+                            <a:schemeClr val="accent3">
+                              <a:lumMod val="50000"/>
+                            </a:schemeClr>
                           </a:solidFill>
                         </a:rPr>
                         <a:t>Code Coverage</a:t>
@@ -18878,32 +18927,40 @@
                         </a:lnSpc>
                       </a:pPr>
                       <a:r>
-                        <a:rPr lang="en-IN" dirty="0" err="1">
+                        <a:rPr lang="en-IN" b="1" dirty="0" err="1">
                           <a:solidFill>
-                            <a:srgbClr val="00B0F0"/>
+                            <a:schemeClr val="accent3">
+                              <a:lumMod val="50000"/>
+                            </a:schemeClr>
                           </a:solidFill>
                         </a:rPr>
                         <a:t>EclEmma</a:t>
                       </a:r>
                       <a:r>
-                        <a:rPr lang="en-IN" dirty="0">
+                        <a:rPr lang="en-IN" b="1" dirty="0">
                           <a:solidFill>
-                            <a:srgbClr val="00B0F0"/>
+                            <a:schemeClr val="accent3">
+                              <a:lumMod val="50000"/>
+                            </a:schemeClr>
                           </a:solidFill>
                         </a:rPr>
                         <a:t>, </a:t>
                       </a:r>
                       <a:r>
-                        <a:rPr lang="en-IN" dirty="0" err="1">
+                        <a:rPr lang="en-IN" b="1" dirty="0" err="1">
                           <a:solidFill>
-                            <a:srgbClr val="00B0F0"/>
+                            <a:schemeClr val="accent3">
+                              <a:lumMod val="50000"/>
+                            </a:schemeClr>
                           </a:solidFill>
                         </a:rPr>
                         <a:t>Jococo</a:t>
                       </a:r>
-                      <a:endParaRPr lang="en-IN" dirty="0">
+                      <a:endParaRPr lang="en-IN" b="1" dirty="0">
                         <a:solidFill>
-                          <a:srgbClr val="00B0F0"/>
+                          <a:schemeClr val="accent3">
+                            <a:lumMod val="50000"/>
+                          </a:schemeClr>
                         </a:solidFill>
                       </a:endParaRPr>
                     </a:p>
@@ -18930,13 +18987,13 @@
   <p:clrMapOvr>
     <a:masterClrMapping/>
   </p:clrMapOvr>
-  <mc:AlternateContent xmlns:mc="http://schemas.openxmlformats.org/markup-compatibility/2006">
-    <mc:Choice xmlns:p14="http://schemas.microsoft.com/office/powerpoint/2010/main" Requires="p14">
+  <mc:AlternateContent xmlns:mc="http://schemas.openxmlformats.org/markup-compatibility/2006" xmlns:p14="http://schemas.microsoft.com/office/powerpoint/2010/main">
+    <mc:Choice Requires="p14">
       <p:transition spd="slow" p14:dur="3400">
         <p14:reveal/>
       </p:transition>
     </mc:Choice>
-    <mc:Fallback>
+    <mc:Fallback xmlns="">
       <p:transition spd="slow">
         <p:fade/>
       </p:transition>
@@ -19066,7 +19123,7 @@
 </p:sld>
 </file>
 
-<file path=ppt/slides/slide6.xml><?xml version="1.0" encoding="utf-8"?>
+<file path=ppt/slides/slide5.xml><?xml version="1.0" encoding="utf-8"?>
 <p:sld xmlns:a="http://schemas.openxmlformats.org/drawingml/2006/main" xmlns:r="http://schemas.openxmlformats.org/officeDocument/2006/relationships" xmlns:p="http://schemas.openxmlformats.org/presentationml/2006/main">
   <p:cSld>
     <p:spTree>
@@ -19440,7 +19497,7 @@
             <a:fld id="{BF860B6F-2FE3-4DE6-9496-980E987E7466}" type="slidenum">
               <a:rPr lang="en-US" smtClean="0"/>
               <a:pPr/>
-              <a:t>6</a:t>
+              <a:t>5</a:t>
             </a:fld>
             <a:endParaRPr lang="en-US" dirty="0"/>
           </a:p>
@@ -19456,13 +19513,13 @@
   <p:clrMapOvr>
     <a:masterClrMapping/>
   </p:clrMapOvr>
-  <mc:AlternateContent xmlns:mc="http://schemas.openxmlformats.org/markup-compatibility/2006">
-    <mc:Choice xmlns:p15="http://schemas.microsoft.com/office/powerpoint/2012/main" Requires="p15">
+  <mc:AlternateContent xmlns:mc="http://schemas.openxmlformats.org/markup-compatibility/2006" xmlns:p15="http://schemas.microsoft.com/office/powerpoint/2012/main">
+    <mc:Choice Requires="p15">
       <p:transition xmlns:p14="http://schemas.microsoft.com/office/powerpoint/2010/main" spd="slow" p14:dur="2000">
         <p15:prstTrans prst="drape"/>
       </p:transition>
     </mc:Choice>
-    <mc:Fallback>
+    <mc:Fallback xmlns="">
       <p:transition spd="slow">
         <p:fade/>
       </p:transition>
@@ -20330,7 +20387,7 @@
 </p:sld>
 </file>
 
-<file path=ppt/slides/slide7.xml><?xml version="1.0" encoding="utf-8"?>
+<file path=ppt/slides/slide6.xml><?xml version="1.0" encoding="utf-8"?>
 <p:sld xmlns:a="http://schemas.openxmlformats.org/drawingml/2006/main" xmlns:r="http://schemas.openxmlformats.org/officeDocument/2006/relationships" xmlns:p="http://schemas.openxmlformats.org/presentationml/2006/main">
   <p:cSld>
     <p:spTree>
@@ -20410,7 +20467,7 @@
             <a:fld id="{BF860B6F-2FE3-4DE6-9496-980E987E7466}" type="slidenum">
               <a:rPr lang="en-US" smtClean="0"/>
               <a:pPr/>
-              <a:t>7</a:t>
+              <a:t>6</a:t>
             </a:fld>
             <a:endParaRPr lang="en-US" dirty="0"/>
           </a:p>
@@ -20555,7 +20612,7 @@
 </p:sld>
 </file>
 
-<file path=ppt/slides/slide8.xml><?xml version="1.0" encoding="utf-8"?>
+<file path=ppt/slides/slide7.xml><?xml version="1.0" encoding="utf-8"?>
 <p:sld xmlns:a="http://schemas.openxmlformats.org/drawingml/2006/main" xmlns:r="http://schemas.openxmlformats.org/officeDocument/2006/relationships" xmlns:p="http://schemas.openxmlformats.org/presentationml/2006/main">
   <p:cSld>
     <p:spTree>
@@ -20635,7 +20692,7 @@
             <a:fld id="{BF860B6F-2FE3-4DE6-9496-980E987E7466}" type="slidenum">
               <a:rPr lang="en-US" smtClean="0"/>
               <a:pPr/>
-              <a:t>8</a:t>
+              <a:t>7</a:t>
             </a:fld>
             <a:endParaRPr lang="en-US" dirty="0"/>
           </a:p>
@@ -20656,7 +20713,26 @@
           <p:nvPr/>
         </p:nvPicPr>
         <p:blipFill>
-          <a:blip r:embed="rId2"/>
+          <a:blip r:embed="rId2">
+            <a:duotone>
+              <a:prstClr val="black"/>
+              <a:schemeClr val="tx2">
+                <a:tint val="45000"/>
+                <a:satMod val="400000"/>
+              </a:schemeClr>
+            </a:duotone>
+            <a:extLst>
+              <a:ext uri="{BEBA8EAE-BF5A-486C-A8C5-ECC9F3942E4B}">
+                <a14:imgProps xmlns:a14="http://schemas.microsoft.com/office/drawing/2010/main">
+                  <a14:imgLayer r:embed="rId3">
+                    <a14:imgEffect>
+                      <a14:colorTemperature colorTemp="4700"/>
+                    </a14:imgEffect>
+                  </a14:imgLayer>
+                </a14:imgProps>
+              </a:ext>
+            </a:extLst>
+          </a:blip>
           <a:stretch>
             <a:fillRect/>
           </a:stretch>
@@ -20818,7 +20894,7 @@
 </p:sld>
 </file>
 
-<file path=ppt/slides/slide9.xml><?xml version="1.0" encoding="utf-8"?>
+<file path=ppt/slides/slide8.xml><?xml version="1.0" encoding="utf-8"?>
 <p:sld xmlns:a="http://schemas.openxmlformats.org/drawingml/2006/main" xmlns:r="http://schemas.openxmlformats.org/officeDocument/2006/relationships" xmlns:p="http://schemas.openxmlformats.org/presentationml/2006/main">
   <p:cSld>
     <p:spTree>
@@ -20898,7 +20974,7 @@
             <a:fld id="{BF860B6F-2FE3-4DE6-9496-980E987E7466}" type="slidenum">
               <a:rPr lang="en-US" smtClean="0"/>
               <a:pPr/>
-              <a:t>9</a:t>
+              <a:t>8</a:t>
             </a:fld>
             <a:endParaRPr lang="en-US" dirty="0"/>
           </a:p>
@@ -20919,7 +20995,26 @@
           <p:nvPr/>
         </p:nvPicPr>
         <p:blipFill>
-          <a:blip r:embed="rId2"/>
+          <a:blip r:embed="rId2">
+            <a:duotone>
+              <a:prstClr val="black"/>
+              <a:schemeClr val="tx2">
+                <a:tint val="45000"/>
+                <a:satMod val="400000"/>
+              </a:schemeClr>
+            </a:duotone>
+            <a:extLst>
+              <a:ext uri="{BEBA8EAE-BF5A-486C-A8C5-ECC9F3942E4B}">
+                <a14:imgProps xmlns:a14="http://schemas.microsoft.com/office/drawing/2010/main">
+                  <a14:imgLayer r:embed="rId3">
+                    <a14:imgEffect>
+                      <a14:colorTemperature colorTemp="4700"/>
+                    </a14:imgEffect>
+                  </a14:imgLayer>
+                </a14:imgProps>
+              </a:ext>
+            </a:extLst>
+          </a:blip>
           <a:stretch>
             <a:fillRect/>
           </a:stretch>
@@ -21873,6 +21968,25 @@
 </file>
 
 <file path=customXml/item1.xml><?xml version="1.0" encoding="utf-8"?>
+<p:properties xmlns:p="http://schemas.microsoft.com/office/2006/metadata/properties" xmlns:xsi="http://www.w3.org/2001/XMLSchema-instance" xmlns:pc="http://schemas.microsoft.com/office/infopath/2007/PartnerControls">
+  <documentManagement>
+    <_ip_UnifiedCompliancePolicyUIAction xmlns="http://schemas.microsoft.com/sharepoint/v3" xsi:nil="true"/>
+    <Image xmlns="71af3243-3dd4-4a8d-8c0d-dd76da1f02a5">
+      <Url xsi:nil="true"/>
+      <Description xsi:nil="true"/>
+    </Image>
+    <Status xmlns="71af3243-3dd4-4a8d-8c0d-dd76da1f02a5">Not started</Status>
+    <_ip_UnifiedCompliancePolicyProperties xmlns="http://schemas.microsoft.com/sharepoint/v3" xsi:nil="true"/>
+    <ImageTagsTaxHTField xmlns="71af3243-3dd4-4a8d-8c0d-dd76da1f02a5">
+      <Terms xmlns="http://schemas.microsoft.com/office/infopath/2007/PartnerControls"/>
+    </ImageTagsTaxHTField>
+    <TaxCatchAll xmlns="230e9df3-be65-4c73-a93b-d1236ebd677e"/>
+    <MediaServiceKeyPoints xmlns="71af3243-3dd4-4a8d-8c0d-dd76da1f02a5" xsi:nil="true"/>
+  </documentManagement>
+</p:properties>
+</file>
+
+<file path=customXml/item2.xml><?xml version="1.0" encoding="utf-8"?>
 <ct:contentTypeSchema xmlns:ct="http://schemas.microsoft.com/office/2006/metadata/contentType" xmlns:ma="http://schemas.microsoft.com/office/2006/metadata/properties/metaAttributes" ct:_="" ma:_="" ma:contentTypeName="Document" ma:contentTypeID="0x01010079F111ED35F8CC479449609E8A0923A6" ma:contentTypeVersion="21" ma:contentTypeDescription="Create a new document." ma:contentTypeScope="" ma:versionID="64dfb1555687e0874b4304b796b5b0c7">
   <xsd:schema xmlns:xsd="http://www.w3.org/2001/XMLSchema" xmlns:xs="http://www.w3.org/2001/XMLSchema" xmlns:p="http://schemas.microsoft.com/office/2006/metadata/properties" xmlns:ns1="http://schemas.microsoft.com/sharepoint/v3" xmlns:ns2="71af3243-3dd4-4a8d-8c0d-dd76da1f02a5" xmlns:ns3="16c05727-aa75-4e4a-9b5f-8a80a1165891" xmlns:ns4="230e9df3-be65-4c73-a93b-d1236ebd677e" targetNamespace="http://schemas.microsoft.com/office/2006/metadata/properties" ma:root="true" ma:fieldsID="e6e4c555b5e194d05b7203de9c4567b3" ns1:_="" ns2:_="" ns3:_="" ns4:_="">
     <xsd:import namespace="http://schemas.microsoft.com/sharepoint/v3"/>
@@ -22154,7 +22268,7 @@
 </ct:contentTypeSchema>
 </file>
 
-<file path=customXml/item2.xml><?xml version="1.0" encoding="utf-8"?>
+<file path=customXml/item3.xml><?xml version="1.0" encoding="utf-8"?>
 <?mso-contentType ?>
 <FormTemplates xmlns="http://schemas.microsoft.com/sharepoint/v3/contenttype/forms">
   <Display>DocumentLibraryForm</Display>
@@ -22163,26 +22277,19 @@
 </FormTemplates>
 </file>
 
-<file path=customXml/item3.xml><?xml version="1.0" encoding="utf-8"?>
-<p:properties xmlns:p="http://schemas.microsoft.com/office/2006/metadata/properties" xmlns:xsi="http://www.w3.org/2001/XMLSchema-instance" xmlns:pc="http://schemas.microsoft.com/office/infopath/2007/PartnerControls">
-  <documentManagement>
-    <_ip_UnifiedCompliancePolicyUIAction xmlns="http://schemas.microsoft.com/sharepoint/v3" xsi:nil="true"/>
-    <Image xmlns="71af3243-3dd4-4a8d-8c0d-dd76da1f02a5">
-      <Url xsi:nil="true"/>
-      <Description xsi:nil="true"/>
-    </Image>
-    <Status xmlns="71af3243-3dd4-4a8d-8c0d-dd76da1f02a5">Not started</Status>
-    <_ip_UnifiedCompliancePolicyProperties xmlns="http://schemas.microsoft.com/sharepoint/v3" xsi:nil="true"/>
-    <ImageTagsTaxHTField xmlns="71af3243-3dd4-4a8d-8c0d-dd76da1f02a5">
-      <Terms xmlns="http://schemas.microsoft.com/office/infopath/2007/PartnerControls"/>
-    </ImageTagsTaxHTField>
-    <TaxCatchAll xmlns="230e9df3-be65-4c73-a93b-d1236ebd677e"/>
-    <MediaServiceKeyPoints xmlns="71af3243-3dd4-4a8d-8c0d-dd76da1f02a5" xsi:nil="true"/>
-  </documentManagement>
-</p:properties>
+<file path=customXml/itemProps1.xml><?xml version="1.0" encoding="utf-8"?>
+<ds:datastoreItem xmlns:ds="http://schemas.openxmlformats.org/officeDocument/2006/customXml" ds:itemID="{33F4F0A7-9599-4FE3-A548-853A09CF0244}">
+  <ds:schemaRefs>
+    <ds:schemaRef ds:uri="http://schemas.microsoft.com/office/2006/metadata/properties"/>
+    <ds:schemaRef ds:uri="http://schemas.microsoft.com/office/infopath/2007/PartnerControls"/>
+    <ds:schemaRef ds:uri="http://schemas.microsoft.com/sharepoint/v3"/>
+    <ds:schemaRef ds:uri="71af3243-3dd4-4a8d-8c0d-dd76da1f02a5"/>
+    <ds:schemaRef ds:uri="230e9df3-be65-4c73-a93b-d1236ebd677e"/>
+  </ds:schemaRefs>
+</ds:datastoreItem>
 </file>
 
-<file path=customXml/itemProps1.xml><?xml version="1.0" encoding="utf-8"?>
+<file path=customXml/itemProps2.xml><?xml version="1.0" encoding="utf-8"?>
 <ds:datastoreItem xmlns:ds="http://schemas.openxmlformats.org/officeDocument/2006/customXml" ds:itemID="{4984FD82-9185-4244-A7C8-36B299008328}">
   <ds:schemaRefs>
     <ds:schemaRef ds:uri="http://schemas.microsoft.com/office/2006/metadata/contentType"/>
@@ -22203,22 +22310,10 @@
 </ds:datastoreItem>
 </file>
 
-<file path=customXml/itemProps2.xml><?xml version="1.0" encoding="utf-8"?>
+<file path=customXml/itemProps3.xml><?xml version="1.0" encoding="utf-8"?>
 <ds:datastoreItem xmlns:ds="http://schemas.openxmlformats.org/officeDocument/2006/customXml" ds:itemID="{B7064F8B-46A2-4F22-9203-449568FB5893}">
   <ds:schemaRefs>
     <ds:schemaRef ds:uri="http://schemas.microsoft.com/sharepoint/v3/contenttype/forms"/>
-  </ds:schemaRefs>
-</ds:datastoreItem>
-</file>
-
-<file path=customXml/itemProps3.xml><?xml version="1.0" encoding="utf-8"?>
-<ds:datastoreItem xmlns:ds="http://schemas.openxmlformats.org/officeDocument/2006/customXml" ds:itemID="{33F4F0A7-9599-4FE3-A548-853A09CF0244}">
-  <ds:schemaRefs>
-    <ds:schemaRef ds:uri="http://schemas.microsoft.com/office/2006/metadata/properties"/>
-    <ds:schemaRef ds:uri="http://schemas.microsoft.com/office/infopath/2007/PartnerControls"/>
-    <ds:schemaRef ds:uri="http://schemas.microsoft.com/sharepoint/v3"/>
-    <ds:schemaRef ds:uri="71af3243-3dd4-4a8d-8c0d-dd76da1f02a5"/>
-    <ds:schemaRef ds:uri="230e9df3-be65-4c73-a93b-d1236ebd677e"/>
   </ds:schemaRefs>
 </ds:datastoreItem>
 </file>

--- a/Hospital Management.pptx
+++ b/Hospital Management.pptx
@@ -5,10 +5,10 @@
     <p:sldMasterId id="2147483648" r:id="rId4"/>
   </p:sldMasterIdLst>
   <p:notesMasterIdLst>
-    <p:notesMasterId r:id="rId13"/>
+    <p:notesMasterId r:id="rId17"/>
   </p:notesMasterIdLst>
   <p:handoutMasterIdLst>
-    <p:handoutMasterId r:id="rId14"/>
+    <p:handoutMasterId r:id="rId18"/>
   </p:handoutMasterIdLst>
   <p:sldIdLst>
     <p:sldId id="256" r:id="rId5"/>
@@ -19,6 +19,10 @@
     <p:sldId id="278" r:id="rId10"/>
     <p:sldId id="279" r:id="rId11"/>
     <p:sldId id="280" r:id="rId12"/>
+    <p:sldId id="281" r:id="rId13"/>
+    <p:sldId id="282" r:id="rId14"/>
+    <p:sldId id="283" r:id="rId15"/>
+    <p:sldId id="284" r:id="rId16"/>
   </p:sldIdLst>
   <p:sldSz cx="12192000" cy="6858000"/>
   <p:notesSz cx="6858000" cy="9144000"/>
@@ -347,7 +351,7 @@
           <a:p>
             <a:fld id="{9C79BF0D-A27E-4949-BA05-26DFC7FA342E}" type="datetimeFigureOut">
               <a:rPr lang="en-US" smtClean="0"/>
-              <a:t>6/1/2023</a:t>
+              <a:t>6/6/2023</a:t>
             </a:fld>
             <a:endParaRPr lang="en-US" dirty="0"/>
           </a:p>
@@ -524,7 +528,7 @@
           <a:p>
             <a:fld id="{7DC4AA30-155C-4903-9267-E3BBFB95FF41}" type="datetimeFigureOut">
               <a:rPr lang="en-US" smtClean="0"/>
-              <a:t>6/1/2023</a:t>
+              <a:t>6/6/2023</a:t>
             </a:fld>
             <a:endParaRPr lang="en-US" dirty="0"/>
           </a:p>
@@ -15876,6 +15880,402 @@
       </p:par>
     </p:tnLst>
   </p:timing>
+</p:sld>
+</file>
+
+<file path=ppt/slides/slide10.xml><?xml version="1.0" encoding="utf-8"?>
+<p:sld xmlns:a="http://schemas.openxmlformats.org/drawingml/2006/main" xmlns:r="http://schemas.openxmlformats.org/officeDocument/2006/relationships" xmlns:p="http://schemas.openxmlformats.org/presentationml/2006/main">
+  <p:cSld>
+    <p:spTree>
+      <p:nvGrpSpPr>
+        <p:cNvPr id="1" name=""/>
+        <p:cNvGrpSpPr/>
+        <p:nvPr/>
+      </p:nvGrpSpPr>
+      <p:grpSpPr>
+        <a:xfrm>
+          <a:off x="0" y="0"/>
+          <a:ext cx="0" cy="0"/>
+          <a:chOff x="0" y="0"/>
+          <a:chExt cx="0" cy="0"/>
+        </a:xfrm>
+      </p:grpSpPr>
+      <p:sp>
+        <p:nvSpPr>
+          <p:cNvPr id="49" name="Title 48">
+            <a:extLst>
+              <a:ext uri="{FF2B5EF4-FFF2-40B4-BE49-F238E27FC236}">
+                <a16:creationId xmlns:a16="http://schemas.microsoft.com/office/drawing/2014/main" id="{1566E1EC-B2A7-4A51-972F-B364AC0BB7EC}"/>
+              </a:ext>
+            </a:extLst>
+          </p:cNvPr>
+          <p:cNvSpPr>
+            <a:spLocks noGrp="1"/>
+          </p:cNvSpPr>
+          <p:nvPr>
+            <p:ph type="title"/>
+          </p:nvPr>
+        </p:nvSpPr>
+        <p:spPr>
+          <a:xfrm>
+            <a:off x="827900" y="671808"/>
+            <a:ext cx="10536200" cy="639192"/>
+          </a:xfrm>
+        </p:spPr>
+        <p:txBody>
+          <a:bodyPr/>
+          <a:lstStyle/>
+          <a:p>
+            <a:pPr algn="ctr"/>
+            <a:r>
+              <a:rPr lang="en-US" dirty="0"/>
+              <a:t>Patient service code coverage</a:t>
+            </a:r>
+          </a:p>
+        </p:txBody>
+      </p:sp>
+      <p:sp>
+        <p:nvSpPr>
+          <p:cNvPr id="4" name="Slide Number Placeholder 3">
+            <a:extLst>
+              <a:ext uri="{FF2B5EF4-FFF2-40B4-BE49-F238E27FC236}">
+                <a16:creationId xmlns:a16="http://schemas.microsoft.com/office/drawing/2014/main" id="{AD06A0A6-003A-44E1-9D66-9A511C928421}"/>
+              </a:ext>
+            </a:extLst>
+          </p:cNvPr>
+          <p:cNvSpPr>
+            <a:spLocks noGrp="1"/>
+          </p:cNvSpPr>
+          <p:nvPr>
+            <p:ph type="sldNum" sz="quarter" idx="12"/>
+          </p:nvPr>
+        </p:nvSpPr>
+        <p:spPr>
+          <a:xfrm>
+            <a:off x="8610600" y="6515753"/>
+            <a:ext cx="2743200" cy="205722"/>
+          </a:xfrm>
+        </p:spPr>
+        <p:txBody>
+          <a:bodyPr/>
+          <a:lstStyle/>
+          <a:p>
+            <a:fld id="{BF860B6F-2FE3-4DE6-9496-980E987E7466}" type="slidenum">
+              <a:rPr lang="en-US" smtClean="0"/>
+              <a:pPr/>
+              <a:t>10</a:t>
+            </a:fld>
+            <a:endParaRPr lang="en-US" dirty="0"/>
+          </a:p>
+        </p:txBody>
+      </p:sp>
+      <p:pic>
+        <p:nvPicPr>
+          <p:cNvPr id="7" name="Picture 6">
+            <a:extLst>
+              <a:ext uri="{FF2B5EF4-FFF2-40B4-BE49-F238E27FC236}">
+                <a16:creationId xmlns:a16="http://schemas.microsoft.com/office/drawing/2014/main" id="{B8801B4B-5758-AD4C-748B-5E6544BCC3D5}"/>
+              </a:ext>
+            </a:extLst>
+          </p:cNvPr>
+          <p:cNvPicPr>
+            <a:picLocks noChangeAspect="1"/>
+          </p:cNvPicPr>
+          <p:nvPr/>
+        </p:nvPicPr>
+        <p:blipFill>
+          <a:blip r:embed="rId2"/>
+          <a:stretch>
+            <a:fillRect/>
+          </a:stretch>
+        </p:blipFill>
+        <p:spPr>
+          <a:xfrm>
+            <a:off x="612935" y="2647882"/>
+            <a:ext cx="10966130" cy="1562235"/>
+          </a:xfrm>
+          <a:prstGeom prst="rect">
+            <a:avLst/>
+          </a:prstGeom>
+        </p:spPr>
+      </p:pic>
+    </p:spTree>
+    <p:extLst>
+      <p:ext uri="{BB962C8B-B14F-4D97-AF65-F5344CB8AC3E}">
+        <p14:creationId xmlns:p14="http://schemas.microsoft.com/office/powerpoint/2010/main" val="2878725787"/>
+      </p:ext>
+    </p:extLst>
+  </p:cSld>
+  <p:clrMapOvr>
+    <a:masterClrMapping/>
+  </p:clrMapOvr>
+  <p:transition spd="med">
+    <p:pull/>
+  </p:transition>
+</p:sld>
+</file>
+
+<file path=ppt/slides/slide11.xml><?xml version="1.0" encoding="utf-8"?>
+<p:sld xmlns:a="http://schemas.openxmlformats.org/drawingml/2006/main" xmlns:r="http://schemas.openxmlformats.org/officeDocument/2006/relationships" xmlns:p="http://schemas.openxmlformats.org/presentationml/2006/main">
+  <p:cSld>
+    <p:spTree>
+      <p:nvGrpSpPr>
+        <p:cNvPr id="1" name=""/>
+        <p:cNvGrpSpPr/>
+        <p:nvPr/>
+      </p:nvGrpSpPr>
+      <p:grpSpPr>
+        <a:xfrm>
+          <a:off x="0" y="0"/>
+          <a:ext cx="0" cy="0"/>
+          <a:chOff x="0" y="0"/>
+          <a:chExt cx="0" cy="0"/>
+        </a:xfrm>
+      </p:grpSpPr>
+      <p:sp>
+        <p:nvSpPr>
+          <p:cNvPr id="49" name="Title 48">
+            <a:extLst>
+              <a:ext uri="{FF2B5EF4-FFF2-40B4-BE49-F238E27FC236}">
+                <a16:creationId xmlns:a16="http://schemas.microsoft.com/office/drawing/2014/main" id="{1566E1EC-B2A7-4A51-972F-B364AC0BB7EC}"/>
+              </a:ext>
+            </a:extLst>
+          </p:cNvPr>
+          <p:cNvSpPr>
+            <a:spLocks noGrp="1"/>
+          </p:cNvSpPr>
+          <p:nvPr>
+            <p:ph type="title"/>
+          </p:nvPr>
+        </p:nvSpPr>
+        <p:spPr>
+          <a:xfrm>
+            <a:off x="827900" y="671808"/>
+            <a:ext cx="10536200" cy="639192"/>
+          </a:xfrm>
+        </p:spPr>
+        <p:txBody>
+          <a:bodyPr/>
+          <a:lstStyle/>
+          <a:p>
+            <a:pPr algn="ctr"/>
+            <a:r>
+              <a:rPr lang="en-US" dirty="0"/>
+              <a:t>Doctor service code testing</a:t>
+            </a:r>
+          </a:p>
+        </p:txBody>
+      </p:sp>
+      <p:sp>
+        <p:nvSpPr>
+          <p:cNvPr id="4" name="Slide Number Placeholder 3">
+            <a:extLst>
+              <a:ext uri="{FF2B5EF4-FFF2-40B4-BE49-F238E27FC236}">
+                <a16:creationId xmlns:a16="http://schemas.microsoft.com/office/drawing/2014/main" id="{AD06A0A6-003A-44E1-9D66-9A511C928421}"/>
+              </a:ext>
+            </a:extLst>
+          </p:cNvPr>
+          <p:cNvSpPr>
+            <a:spLocks noGrp="1"/>
+          </p:cNvSpPr>
+          <p:nvPr>
+            <p:ph type="sldNum" sz="quarter" idx="12"/>
+          </p:nvPr>
+        </p:nvSpPr>
+        <p:spPr>
+          <a:xfrm>
+            <a:off x="8610600" y="6515753"/>
+            <a:ext cx="2743200" cy="205722"/>
+          </a:xfrm>
+        </p:spPr>
+        <p:txBody>
+          <a:bodyPr/>
+          <a:lstStyle/>
+          <a:p>
+            <a:fld id="{BF860B6F-2FE3-4DE6-9496-980E987E7466}" type="slidenum">
+              <a:rPr lang="en-US" smtClean="0"/>
+              <a:pPr/>
+              <a:t>11</a:t>
+            </a:fld>
+            <a:endParaRPr lang="en-US" dirty="0"/>
+          </a:p>
+        </p:txBody>
+      </p:sp>
+      <p:pic>
+        <p:nvPicPr>
+          <p:cNvPr id="5" name="Picture 4">
+            <a:extLst>
+              <a:ext uri="{FF2B5EF4-FFF2-40B4-BE49-F238E27FC236}">
+                <a16:creationId xmlns:a16="http://schemas.microsoft.com/office/drawing/2014/main" id="{555A2CAE-2032-D1BE-67F2-F2BB5AF674A7}"/>
+              </a:ext>
+            </a:extLst>
+          </p:cNvPr>
+          <p:cNvPicPr>
+            <a:picLocks noChangeAspect="1"/>
+          </p:cNvPicPr>
+          <p:nvPr/>
+        </p:nvPicPr>
+        <p:blipFill>
+          <a:blip r:embed="rId2"/>
+          <a:stretch>
+            <a:fillRect/>
+          </a:stretch>
+        </p:blipFill>
+        <p:spPr>
+          <a:xfrm>
+            <a:off x="620555" y="2647882"/>
+            <a:ext cx="10950889" cy="1562235"/>
+          </a:xfrm>
+          <a:prstGeom prst="rect">
+            <a:avLst/>
+          </a:prstGeom>
+        </p:spPr>
+      </p:pic>
+    </p:spTree>
+    <p:extLst>
+      <p:ext uri="{BB962C8B-B14F-4D97-AF65-F5344CB8AC3E}">
+        <p14:creationId xmlns:p14="http://schemas.microsoft.com/office/powerpoint/2010/main" val="3616910253"/>
+      </p:ext>
+    </p:extLst>
+  </p:cSld>
+  <p:clrMapOvr>
+    <a:masterClrMapping/>
+  </p:clrMapOvr>
+  <p:transition spd="med">
+    <p:pull/>
+  </p:transition>
+</p:sld>
+</file>
+
+<file path=ppt/slides/slide12.xml><?xml version="1.0" encoding="utf-8"?>
+<p:sld xmlns:a="http://schemas.openxmlformats.org/drawingml/2006/main" xmlns:r="http://schemas.openxmlformats.org/officeDocument/2006/relationships" xmlns:p="http://schemas.openxmlformats.org/presentationml/2006/main">
+  <p:cSld>
+    <p:spTree>
+      <p:nvGrpSpPr>
+        <p:cNvPr id="1" name=""/>
+        <p:cNvGrpSpPr/>
+        <p:nvPr/>
+      </p:nvGrpSpPr>
+      <p:grpSpPr>
+        <a:xfrm>
+          <a:off x="0" y="0"/>
+          <a:ext cx="0" cy="0"/>
+          <a:chOff x="0" y="0"/>
+          <a:chExt cx="0" cy="0"/>
+        </a:xfrm>
+      </p:grpSpPr>
+      <p:sp>
+        <p:nvSpPr>
+          <p:cNvPr id="49" name="Title 48">
+            <a:extLst>
+              <a:ext uri="{FF2B5EF4-FFF2-40B4-BE49-F238E27FC236}">
+                <a16:creationId xmlns:a16="http://schemas.microsoft.com/office/drawing/2014/main" id="{1566E1EC-B2A7-4A51-972F-B364AC0BB7EC}"/>
+              </a:ext>
+            </a:extLst>
+          </p:cNvPr>
+          <p:cNvSpPr>
+            <a:spLocks noGrp="1"/>
+          </p:cNvSpPr>
+          <p:nvPr>
+            <p:ph type="title"/>
+          </p:nvPr>
+        </p:nvSpPr>
+        <p:spPr>
+          <a:xfrm>
+            <a:off x="827900" y="671808"/>
+            <a:ext cx="10536200" cy="639192"/>
+          </a:xfrm>
+        </p:spPr>
+        <p:txBody>
+          <a:bodyPr/>
+          <a:lstStyle/>
+          <a:p>
+            <a:pPr algn="ctr"/>
+            <a:r>
+              <a:rPr lang="en-US" dirty="0"/>
+              <a:t>Doctor service code coverage</a:t>
+            </a:r>
+          </a:p>
+        </p:txBody>
+      </p:sp>
+      <p:sp>
+        <p:nvSpPr>
+          <p:cNvPr id="4" name="Slide Number Placeholder 3">
+            <a:extLst>
+              <a:ext uri="{FF2B5EF4-FFF2-40B4-BE49-F238E27FC236}">
+                <a16:creationId xmlns:a16="http://schemas.microsoft.com/office/drawing/2014/main" id="{AD06A0A6-003A-44E1-9D66-9A511C928421}"/>
+              </a:ext>
+            </a:extLst>
+          </p:cNvPr>
+          <p:cNvSpPr>
+            <a:spLocks noGrp="1"/>
+          </p:cNvSpPr>
+          <p:nvPr>
+            <p:ph type="sldNum" sz="quarter" idx="12"/>
+          </p:nvPr>
+        </p:nvSpPr>
+        <p:spPr>
+          <a:xfrm>
+            <a:off x="8610600" y="6515753"/>
+            <a:ext cx="2743200" cy="205722"/>
+          </a:xfrm>
+        </p:spPr>
+        <p:txBody>
+          <a:bodyPr/>
+          <a:lstStyle/>
+          <a:p>
+            <a:fld id="{BF860B6F-2FE3-4DE6-9496-980E987E7466}" type="slidenum">
+              <a:rPr lang="en-US" smtClean="0"/>
+              <a:pPr/>
+              <a:t>12</a:t>
+            </a:fld>
+            <a:endParaRPr lang="en-US" dirty="0"/>
+          </a:p>
+        </p:txBody>
+      </p:sp>
+      <p:pic>
+        <p:nvPicPr>
+          <p:cNvPr id="7" name="Picture 6">
+            <a:extLst>
+              <a:ext uri="{FF2B5EF4-FFF2-40B4-BE49-F238E27FC236}">
+                <a16:creationId xmlns:a16="http://schemas.microsoft.com/office/drawing/2014/main" id="{7F95472F-8EE0-82F4-2ED7-DA3913112C8F}"/>
+              </a:ext>
+            </a:extLst>
+          </p:cNvPr>
+          <p:cNvPicPr>
+            <a:picLocks noChangeAspect="1"/>
+          </p:cNvPicPr>
+          <p:nvPr/>
+        </p:nvPicPr>
+        <p:blipFill>
+          <a:blip r:embed="rId2"/>
+          <a:stretch>
+            <a:fillRect/>
+          </a:stretch>
+        </p:blipFill>
+        <p:spPr>
+          <a:xfrm>
+            <a:off x="609124" y="2651692"/>
+            <a:ext cx="10973751" cy="1554615"/>
+          </a:xfrm>
+          <a:prstGeom prst="rect">
+            <a:avLst/>
+          </a:prstGeom>
+        </p:spPr>
+      </p:pic>
+    </p:spTree>
+    <p:extLst>
+      <p:ext uri="{BB962C8B-B14F-4D97-AF65-F5344CB8AC3E}">
+        <p14:creationId xmlns:p14="http://schemas.microsoft.com/office/powerpoint/2010/main" val="1963009134"/>
+      </p:ext>
+    </p:extLst>
+  </p:cSld>
+  <p:clrMapOvr>
+    <a:masterClrMapping/>
+  </p:clrMapOvr>
+  <p:transition spd="med">
+    <p:pull/>
+  </p:transition>
 </p:sld>
 </file>
 
@@ -21176,6 +21576,138 @@
 </p:sld>
 </file>
 
+<file path=ppt/slides/slide9.xml><?xml version="1.0" encoding="utf-8"?>
+<p:sld xmlns:a="http://schemas.openxmlformats.org/drawingml/2006/main" xmlns:r="http://schemas.openxmlformats.org/officeDocument/2006/relationships" xmlns:p="http://schemas.openxmlformats.org/presentationml/2006/main">
+  <p:cSld>
+    <p:spTree>
+      <p:nvGrpSpPr>
+        <p:cNvPr id="1" name=""/>
+        <p:cNvGrpSpPr/>
+        <p:nvPr/>
+      </p:nvGrpSpPr>
+      <p:grpSpPr>
+        <a:xfrm>
+          <a:off x="0" y="0"/>
+          <a:ext cx="0" cy="0"/>
+          <a:chOff x="0" y="0"/>
+          <a:chExt cx="0" cy="0"/>
+        </a:xfrm>
+      </p:grpSpPr>
+      <p:sp>
+        <p:nvSpPr>
+          <p:cNvPr id="49" name="Title 48">
+            <a:extLst>
+              <a:ext uri="{FF2B5EF4-FFF2-40B4-BE49-F238E27FC236}">
+                <a16:creationId xmlns:a16="http://schemas.microsoft.com/office/drawing/2014/main" id="{1566E1EC-B2A7-4A51-972F-B364AC0BB7EC}"/>
+              </a:ext>
+            </a:extLst>
+          </p:cNvPr>
+          <p:cNvSpPr>
+            <a:spLocks noGrp="1"/>
+          </p:cNvSpPr>
+          <p:nvPr>
+            <p:ph type="title"/>
+          </p:nvPr>
+        </p:nvSpPr>
+        <p:spPr>
+          <a:xfrm>
+            <a:off x="827900" y="671808"/>
+            <a:ext cx="10536200" cy="639192"/>
+          </a:xfrm>
+        </p:spPr>
+        <p:txBody>
+          <a:bodyPr/>
+          <a:lstStyle/>
+          <a:p>
+            <a:pPr algn="ctr"/>
+            <a:r>
+              <a:rPr lang="en-US" dirty="0"/>
+              <a:t>Patient service code testing</a:t>
+            </a:r>
+          </a:p>
+        </p:txBody>
+      </p:sp>
+      <p:sp>
+        <p:nvSpPr>
+          <p:cNvPr id="4" name="Slide Number Placeholder 3">
+            <a:extLst>
+              <a:ext uri="{FF2B5EF4-FFF2-40B4-BE49-F238E27FC236}">
+                <a16:creationId xmlns:a16="http://schemas.microsoft.com/office/drawing/2014/main" id="{AD06A0A6-003A-44E1-9D66-9A511C928421}"/>
+              </a:ext>
+            </a:extLst>
+          </p:cNvPr>
+          <p:cNvSpPr>
+            <a:spLocks noGrp="1"/>
+          </p:cNvSpPr>
+          <p:nvPr>
+            <p:ph type="sldNum" sz="quarter" idx="12"/>
+          </p:nvPr>
+        </p:nvSpPr>
+        <p:spPr>
+          <a:xfrm>
+            <a:off x="8610600" y="6515753"/>
+            <a:ext cx="2743200" cy="205722"/>
+          </a:xfrm>
+        </p:spPr>
+        <p:txBody>
+          <a:bodyPr/>
+          <a:lstStyle/>
+          <a:p>
+            <a:fld id="{BF860B6F-2FE3-4DE6-9496-980E987E7466}" type="slidenum">
+              <a:rPr lang="en-US" smtClean="0"/>
+              <a:pPr/>
+              <a:t>9</a:t>
+            </a:fld>
+            <a:endParaRPr lang="en-US" dirty="0"/>
+          </a:p>
+        </p:txBody>
+      </p:sp>
+      <p:pic>
+        <p:nvPicPr>
+          <p:cNvPr id="3" name="Picture 2">
+            <a:extLst>
+              <a:ext uri="{FF2B5EF4-FFF2-40B4-BE49-F238E27FC236}">
+                <a16:creationId xmlns:a16="http://schemas.microsoft.com/office/drawing/2014/main" id="{1309F694-9634-B25A-7ABC-899FE0EAC891}"/>
+              </a:ext>
+            </a:extLst>
+          </p:cNvPr>
+          <p:cNvPicPr>
+            <a:picLocks noChangeAspect="1"/>
+          </p:cNvPicPr>
+          <p:nvPr/>
+        </p:nvPicPr>
+        <p:blipFill>
+          <a:blip r:embed="rId2"/>
+          <a:stretch>
+            <a:fillRect/>
+          </a:stretch>
+        </p:blipFill>
+        <p:spPr>
+          <a:xfrm>
+            <a:off x="628176" y="2640261"/>
+            <a:ext cx="10935648" cy="1577477"/>
+          </a:xfrm>
+          <a:prstGeom prst="rect">
+            <a:avLst/>
+          </a:prstGeom>
+        </p:spPr>
+      </p:pic>
+    </p:spTree>
+    <p:extLst>
+      <p:ext uri="{BB962C8B-B14F-4D97-AF65-F5344CB8AC3E}">
+        <p14:creationId xmlns:p14="http://schemas.microsoft.com/office/powerpoint/2010/main" val="1450873765"/>
+      </p:ext>
+    </p:extLst>
+  </p:cSld>
+  <p:clrMapOvr>
+    <a:masterClrMapping/>
+  </p:clrMapOvr>
+  <p:transition spd="med">
+    <p:pull/>
+  </p:transition>
+</p:sld>
+</file>
+
 <file path=ppt/theme/theme1.xml><?xml version="1.0" encoding="utf-8"?>
 <a:theme xmlns:a="http://schemas.openxmlformats.org/drawingml/2006/main" name="Office Theme">
   <a:themeElements>
@@ -21968,22 +22500,12 @@
 </file>
 
 <file path=customXml/item1.xml><?xml version="1.0" encoding="utf-8"?>
-<p:properties xmlns:p="http://schemas.microsoft.com/office/2006/metadata/properties" xmlns:xsi="http://www.w3.org/2001/XMLSchema-instance" xmlns:pc="http://schemas.microsoft.com/office/infopath/2007/PartnerControls">
-  <documentManagement>
-    <_ip_UnifiedCompliancePolicyUIAction xmlns="http://schemas.microsoft.com/sharepoint/v3" xsi:nil="true"/>
-    <Image xmlns="71af3243-3dd4-4a8d-8c0d-dd76da1f02a5">
-      <Url xsi:nil="true"/>
-      <Description xsi:nil="true"/>
-    </Image>
-    <Status xmlns="71af3243-3dd4-4a8d-8c0d-dd76da1f02a5">Not started</Status>
-    <_ip_UnifiedCompliancePolicyProperties xmlns="http://schemas.microsoft.com/sharepoint/v3" xsi:nil="true"/>
-    <ImageTagsTaxHTField xmlns="71af3243-3dd4-4a8d-8c0d-dd76da1f02a5">
-      <Terms xmlns="http://schemas.microsoft.com/office/infopath/2007/PartnerControls"/>
-    </ImageTagsTaxHTField>
-    <TaxCatchAll xmlns="230e9df3-be65-4c73-a93b-d1236ebd677e"/>
-    <MediaServiceKeyPoints xmlns="71af3243-3dd4-4a8d-8c0d-dd76da1f02a5" xsi:nil="true"/>
-  </documentManagement>
-</p:properties>
+<?mso-contentType ?>
+<FormTemplates xmlns="http://schemas.microsoft.com/sharepoint/v3/contenttype/forms">
+  <Display>DocumentLibraryForm</Display>
+  <Edit>DocumentLibraryForm</Edit>
+  <New>DocumentLibraryForm</New>
+</FormTemplates>
 </file>
 
 <file path=customXml/item2.xml><?xml version="1.0" encoding="utf-8"?>
@@ -22269,22 +22791,28 @@
 </file>
 
 <file path=customXml/item3.xml><?xml version="1.0" encoding="utf-8"?>
-<?mso-contentType ?>
-<FormTemplates xmlns="http://schemas.microsoft.com/sharepoint/v3/contenttype/forms">
-  <Display>DocumentLibraryForm</Display>
-  <Edit>DocumentLibraryForm</Edit>
-  <New>DocumentLibraryForm</New>
-</FormTemplates>
+<p:properties xmlns:p="http://schemas.microsoft.com/office/2006/metadata/properties" xmlns:xsi="http://www.w3.org/2001/XMLSchema-instance" xmlns:pc="http://schemas.microsoft.com/office/infopath/2007/PartnerControls">
+  <documentManagement>
+    <_ip_UnifiedCompliancePolicyUIAction xmlns="http://schemas.microsoft.com/sharepoint/v3" xsi:nil="true"/>
+    <Image xmlns="71af3243-3dd4-4a8d-8c0d-dd76da1f02a5">
+      <Url xsi:nil="true"/>
+      <Description xsi:nil="true"/>
+    </Image>
+    <Status xmlns="71af3243-3dd4-4a8d-8c0d-dd76da1f02a5">Not started</Status>
+    <_ip_UnifiedCompliancePolicyProperties xmlns="http://schemas.microsoft.com/sharepoint/v3" xsi:nil="true"/>
+    <ImageTagsTaxHTField xmlns="71af3243-3dd4-4a8d-8c0d-dd76da1f02a5">
+      <Terms xmlns="http://schemas.microsoft.com/office/infopath/2007/PartnerControls"/>
+    </ImageTagsTaxHTField>
+    <TaxCatchAll xmlns="230e9df3-be65-4c73-a93b-d1236ebd677e"/>
+    <MediaServiceKeyPoints xmlns="71af3243-3dd4-4a8d-8c0d-dd76da1f02a5" xsi:nil="true"/>
+  </documentManagement>
+</p:properties>
 </file>
 
 <file path=customXml/itemProps1.xml><?xml version="1.0" encoding="utf-8"?>
-<ds:datastoreItem xmlns:ds="http://schemas.openxmlformats.org/officeDocument/2006/customXml" ds:itemID="{33F4F0A7-9599-4FE3-A548-853A09CF0244}">
+<ds:datastoreItem xmlns:ds="http://schemas.openxmlformats.org/officeDocument/2006/customXml" ds:itemID="{B7064F8B-46A2-4F22-9203-449568FB5893}">
   <ds:schemaRefs>
-    <ds:schemaRef ds:uri="http://schemas.microsoft.com/office/2006/metadata/properties"/>
-    <ds:schemaRef ds:uri="http://schemas.microsoft.com/office/infopath/2007/PartnerControls"/>
-    <ds:schemaRef ds:uri="http://schemas.microsoft.com/sharepoint/v3"/>
-    <ds:schemaRef ds:uri="71af3243-3dd4-4a8d-8c0d-dd76da1f02a5"/>
-    <ds:schemaRef ds:uri="230e9df3-be65-4c73-a93b-d1236ebd677e"/>
+    <ds:schemaRef ds:uri="http://schemas.microsoft.com/sharepoint/v3/contenttype/forms"/>
   </ds:schemaRefs>
 </ds:datastoreItem>
 </file>
@@ -22311,9 +22839,13 @@
 </file>
 
 <file path=customXml/itemProps3.xml><?xml version="1.0" encoding="utf-8"?>
-<ds:datastoreItem xmlns:ds="http://schemas.openxmlformats.org/officeDocument/2006/customXml" ds:itemID="{B7064F8B-46A2-4F22-9203-449568FB5893}">
+<ds:datastoreItem xmlns:ds="http://schemas.openxmlformats.org/officeDocument/2006/customXml" ds:itemID="{33F4F0A7-9599-4FE3-A548-853A09CF0244}">
   <ds:schemaRefs>
-    <ds:schemaRef ds:uri="http://schemas.microsoft.com/sharepoint/v3/contenttype/forms"/>
+    <ds:schemaRef ds:uri="http://schemas.microsoft.com/office/2006/metadata/properties"/>
+    <ds:schemaRef ds:uri="http://schemas.microsoft.com/office/infopath/2007/PartnerControls"/>
+    <ds:schemaRef ds:uri="http://schemas.microsoft.com/sharepoint/v3"/>
+    <ds:schemaRef ds:uri="71af3243-3dd4-4a8d-8c0d-dd76da1f02a5"/>
+    <ds:schemaRef ds:uri="230e9df3-be65-4c73-a93b-d1236ebd677e"/>
   </ds:schemaRefs>
 </ds:datastoreItem>
 </file>
